--- a/scripts/reference.pptx
+++ b/scripts/reference.pptx
@@ -2566,8 +2566,8 @@
         </p:nvSpPr>
         <p:spPr>
           <a:xfrm>
-            <a:off x="628650" y="1253331"/>
-            <a:ext cx="7886700" cy="4351338"/>
+            <a:off x="628650" y="1912540"/>
+            <a:ext cx="7886700" cy="3032919"/>
           </a:xfrm>
           <a:prstGeom prst="rect">
             <a:avLst/>
